--- a/slides/03-Quickselect.pptx
+++ b/slides/03-Quickselect.pptx
@@ -5,7 +5,7 @@
     <p:sldMasterId id="2147483674" r:id="rId1"/>
   </p:sldMasterIdLst>
   <p:notesMasterIdLst>
-    <p:notesMasterId r:id="rId34"/>
+    <p:notesMasterId r:id="rId33"/>
   </p:notesMasterIdLst>
   <p:sldIdLst>
     <p:sldId id="517" r:id="rId2"/>
@@ -39,7 +39,6 @@
     <p:sldId id="519" r:id="rId30"/>
     <p:sldId id="402" r:id="rId31"/>
     <p:sldId id="405" r:id="rId32"/>
-    <p:sldId id="472" r:id="rId33"/>
   </p:sldIdLst>
   <p:sldSz cx="12192000" cy="6858000"/>
   <p:notesSz cx="6858000" cy="9144000"/>
@@ -239,7 +238,7 @@
           <a:p>
             <a:fld id="{9A9F7FD5-2840-4607-A4CD-0A8A66D9D61D}" type="datetimeFigureOut">
               <a:rPr lang="en-US" smtClean="0"/>
-              <a:t>9/1/22</a:t>
+              <a:t>9/30/22</a:t>
             </a:fld>
             <a:endParaRPr lang="en-US"/>
           </a:p>
@@ -932,7 +931,7 @@
           <a:p>
             <a:fld id="{088A2421-D2CD-4522-A1BA-E4F59ED821B7}" type="datetime1">
               <a:rPr lang="en-US" smtClean="0"/>
-              <a:t>9/1/22</a:t>
+              <a:t>9/30/22</a:t>
             </a:fld>
             <a:endParaRPr lang="en-US"/>
           </a:p>
@@ -1207,7 +1206,7 @@
           <a:p>
             <a:fld id="{DA91928D-0C55-4D8D-9D16-4C05754E5356}" type="datetime1">
               <a:rPr lang="en-US" smtClean="0"/>
-              <a:t>9/1/22</a:t>
+              <a:t>9/30/22</a:t>
             </a:fld>
             <a:endParaRPr lang="en-US"/>
           </a:p>
@@ -1462,7 +1461,7 @@
           <a:p>
             <a:fld id="{584CEDDD-253B-4C38-A621-35D8BA950C17}" type="datetime1">
               <a:rPr lang="en-US" smtClean="0"/>
-              <a:t>9/1/22</a:t>
+              <a:t>9/30/22</a:t>
             </a:fld>
             <a:endParaRPr lang="en-US"/>
           </a:p>
@@ -1630,7 +1629,7 @@
           <a:p>
             <a:fld id="{BF0967E4-28CB-45C9-B82C-D6B22AD4F0EB}" type="datetime1">
               <a:rPr lang="en-US" smtClean="0"/>
-              <a:t>9/1/22</a:t>
+              <a:t>9/30/22</a:t>
             </a:fld>
             <a:endParaRPr lang="en-US"/>
           </a:p>
@@ -1808,7 +1807,7 @@
           <a:p>
             <a:fld id="{2454C693-B405-44E1-A127-B7CE8B45C1E1}" type="datetime1">
               <a:rPr lang="en-US" smtClean="0"/>
-              <a:t>9/1/22</a:t>
+              <a:t>9/30/22</a:t>
             </a:fld>
             <a:endParaRPr lang="en-US"/>
           </a:p>
@@ -2060,7 +2059,7 @@
           <a:p>
             <a:fld id="{26B28102-2E91-4DD7-8E8B-98B790A12701}" type="datetime1">
               <a:rPr lang="en-US" smtClean="0"/>
-              <a:t>9/1/22</a:t>
+              <a:t>9/30/22</a:t>
             </a:fld>
             <a:endParaRPr lang="en-US"/>
           </a:p>
@@ -2318,7 +2317,7 @@
           <a:p>
             <a:fld id="{0B5AF985-6D44-417A-9881-D208468CBA07}" type="datetime1">
               <a:rPr lang="en-US" smtClean="0"/>
-              <a:t>9/1/22</a:t>
+              <a:t>9/30/22</a:t>
             </a:fld>
             <a:endParaRPr lang="en-US"/>
           </a:p>
@@ -2575,7 +2574,7 @@
           <a:p>
             <a:fld id="{26B28102-2E91-4DD7-8E8B-98B790A12701}" type="datetime1">
               <a:rPr lang="en-US" smtClean="0"/>
-              <a:t>9/1/22</a:t>
+              <a:t>9/30/22</a:t>
             </a:fld>
             <a:endParaRPr lang="en-US"/>
           </a:p>
@@ -2821,7 +2820,7 @@
           <a:p>
             <a:fld id="{3A604A86-E8D2-4E57-8D6D-61E2D175474B}" type="datetime1">
               <a:rPr lang="en-US" smtClean="0"/>
-              <a:t>9/1/22</a:t>
+              <a:t>9/30/22</a:t>
             </a:fld>
             <a:endParaRPr lang="en-US"/>
           </a:p>
@@ -3184,7 +3183,7 @@
           <a:p>
             <a:fld id="{DC921DF3-1FB0-45DC-97EF-461960E13574}" type="datetime1">
               <a:rPr lang="en-US" smtClean="0"/>
-              <a:t>9/1/22</a:t>
+              <a:t>9/30/22</a:t>
             </a:fld>
             <a:endParaRPr lang="en-US"/>
           </a:p>
@@ -3676,7 +3675,7 @@
           <a:p>
             <a:fld id="{092B088E-2809-46D8-B43F-738015D878CC}" type="datetime1">
               <a:rPr lang="en-US" smtClean="0"/>
-              <a:t>9/1/22</a:t>
+              <a:t>9/30/22</a:t>
             </a:fld>
             <a:endParaRPr lang="en-US"/>
           </a:p>
@@ -3871,7 +3870,7 @@
           <a:p>
             <a:fld id="{8208D42A-BC08-426E-9E11-483BA9D61AF6}" type="datetime1">
               <a:rPr lang="en-US" smtClean="0"/>
-              <a:t>9/1/22</a:t>
+              <a:t>9/30/22</a:t>
             </a:fld>
             <a:endParaRPr lang="en-US"/>
           </a:p>
@@ -4071,7 +4070,7 @@
           <a:p>
             <a:fld id="{26B28102-2E91-4DD7-8E8B-98B790A12701}" type="datetime1">
               <a:rPr lang="en-US" smtClean="0"/>
-              <a:t>9/1/22</a:t>
+              <a:t>9/30/22</a:t>
             </a:fld>
             <a:endParaRPr lang="en-US"/>
           </a:p>
@@ -4167,7 +4166,7 @@
           <a:p>
             <a:fld id="{37D5C786-44E1-4BD5-AD14-75F3EA166B5A}" type="datetime1">
               <a:rPr lang="en-US" smtClean="0"/>
-              <a:t>9/1/22</a:t>
+              <a:t>9/30/22</a:t>
             </a:fld>
             <a:endParaRPr lang="en-US"/>
           </a:p>
@@ -4378,7 +4377,7 @@
           <a:p>
             <a:fld id="{26B28102-2E91-4DD7-8E8B-98B790A12701}" type="datetime1">
               <a:rPr lang="en-US" smtClean="0"/>
-              <a:t>9/1/22</a:t>
+              <a:t>9/30/22</a:t>
             </a:fld>
             <a:endParaRPr lang="en-US"/>
           </a:p>
@@ -42564,8 +42563,8 @@
           </a:p>
         </p:txBody>
       </p:sp>
-      <mc:AlternateContent xmlns:mc="http://schemas.openxmlformats.org/markup-compatibility/2006">
-        <mc:Choice xmlns:a14="http://schemas.microsoft.com/office/drawing/2010/main" Requires="a14">
+      <mc:AlternateContent xmlns:mc="http://schemas.openxmlformats.org/markup-compatibility/2006" xmlns:a14="http://schemas.microsoft.com/office/drawing/2010/main">
+        <mc:Choice Requires="a14">
           <p:sp>
             <p:nvSpPr>
               <p:cNvPr id="3" name="Content Placeholder 2">
@@ -42818,7 +42817,7 @@
             </p:txBody>
           </p:sp>
         </mc:Choice>
-        <mc:Fallback>
+        <mc:Fallback xmlns="">
           <p:sp>
             <p:nvSpPr>
               <p:cNvPr id="3" name="Content Placeholder 2">
@@ -46000,951 +45999,6 @@
   <p:clrMapOvr>
     <a:masterClrMapping/>
   </p:clrMapOvr>
-</p:sld>
-</file>
-
-<file path=ppt/slides/slide32.xml><?xml version="1.0" encoding="utf-8"?>
-<p:sld xmlns:a="http://schemas.openxmlformats.org/drawingml/2006/main" xmlns:r="http://schemas.openxmlformats.org/officeDocument/2006/relationships" xmlns:p="http://schemas.openxmlformats.org/presentationml/2006/main">
-  <p:cSld>
-    <p:spTree>
-      <p:nvGrpSpPr>
-        <p:cNvPr id="1" name=""/>
-        <p:cNvGrpSpPr/>
-        <p:nvPr/>
-      </p:nvGrpSpPr>
-      <p:grpSpPr>
-        <a:xfrm>
-          <a:off x="0" y="0"/>
-          <a:ext cx="0" cy="0"/>
-          <a:chOff x="0" y="0"/>
-          <a:chExt cx="0" cy="0"/>
-        </a:xfrm>
-      </p:grpSpPr>
-      <p:sp>
-        <p:nvSpPr>
-          <p:cNvPr id="2" name="Title 1"/>
-          <p:cNvSpPr>
-            <a:spLocks noGrp="1"/>
-          </p:cNvSpPr>
-          <p:nvPr>
-            <p:ph type="title"/>
-          </p:nvPr>
-        </p:nvSpPr>
-        <p:spPr/>
-        <p:txBody>
-          <a:bodyPr/>
-          <a:lstStyle/>
-          <a:p>
-            <a:r>
-              <a:rPr lang="en-US" dirty="0"/>
-              <a:t>Sorting, so far</a:t>
-            </a:r>
-          </a:p>
-        </p:txBody>
-      </p:sp>
-      <p:sp>
-        <p:nvSpPr>
-          <p:cNvPr id="3" name="Content Placeholder 2"/>
-          <p:cNvSpPr>
-            <a:spLocks noGrp="1"/>
-          </p:cNvSpPr>
-          <p:nvPr>
-            <p:ph idx="1"/>
-          </p:nvPr>
-        </p:nvSpPr>
-        <p:spPr/>
-        <p:txBody>
-          <a:bodyPr/>
-          <a:lstStyle/>
-          <a:p>
-            <a:r>
-              <a:rPr lang="en-US" dirty="0"/>
-              <a:t>Sorting algorithms we have discussed:</a:t>
-            </a:r>
-          </a:p>
-          <a:p>
-            <a:pPr lvl="1"/>
-            <a:r>
-              <a:rPr lang="en-US" dirty="0" err="1"/>
-              <a:t>Insertionsort</a:t>
-            </a:r>
-            <a:endParaRPr lang="en-US" dirty="0"/>
-          </a:p>
-          <a:p>
-            <a:pPr lvl="1"/>
-            <a:r>
-              <a:rPr lang="en-US" dirty="0" err="1"/>
-              <a:t>Mergesort</a:t>
-            </a:r>
-            <a:endParaRPr lang="en-US" dirty="0"/>
-          </a:p>
-          <a:p>
-            <a:pPr lvl="1"/>
-            <a:r>
-              <a:rPr lang="en-US" dirty="0"/>
-              <a:t>Quicksort</a:t>
-            </a:r>
-          </a:p>
-        </p:txBody>
-      </p:sp>
-      <p:sp>
-        <p:nvSpPr>
-          <p:cNvPr id="4" name="Slide Number Placeholder 3"/>
-          <p:cNvSpPr>
-            <a:spLocks noGrp="1"/>
-          </p:cNvSpPr>
-          <p:nvPr>
-            <p:ph type="sldNum" sz="quarter" idx="12"/>
-          </p:nvPr>
-        </p:nvSpPr>
-        <p:spPr/>
-        <p:txBody>
-          <a:bodyPr/>
-          <a:lstStyle/>
-          <a:p>
-            <a:fld id="{86BADE50-950A-4D58-BFB2-FA2C6A8B385D}" type="slidenum">
-              <a:rPr lang="en-US" smtClean="0"/>
-              <a:t>32</a:t>
-            </a:fld>
-            <a:endParaRPr lang="en-US"/>
-          </a:p>
-        </p:txBody>
-      </p:sp>
-      <mc:AlternateContent xmlns:mc="http://schemas.openxmlformats.org/markup-compatibility/2006">
-        <mc:Choice xmlns:a14="http://schemas.microsoft.com/office/drawing/2010/main" Requires="a14">
-          <p:sp>
-            <p:nvSpPr>
-              <p:cNvPr id="5" name="TextBox 4"/>
-              <p:cNvSpPr txBox="1"/>
-              <p:nvPr/>
-            </p:nvSpPr>
-            <p:spPr>
-              <a:xfrm>
-                <a:off x="3657600" y="3920434"/>
-                <a:ext cx="1590885" cy="461665"/>
-              </a:xfrm>
-              <a:prstGeom prst="rect">
-                <a:avLst/>
-              </a:prstGeom>
-              <a:noFill/>
-            </p:spPr>
-            <p:txBody>
-              <a:bodyPr wrap="none" rtlCol="0">
-                <a:spAutoFit/>
-              </a:bodyPr>
-              <a:lstStyle/>
-              <a:p>
-                <a:pPr/>
-                <a14:m>
-                  <m:oMathPara xmlns:m="http://schemas.openxmlformats.org/officeDocument/2006/math">
-                    <m:oMathParaPr>
-                      <m:jc m:val="centerGroup"/>
-                    </m:oMathParaPr>
-                    <m:oMath xmlns:m="http://schemas.openxmlformats.org/officeDocument/2006/math">
-                      <m:r>
-                        <a:rPr lang="en-US" sz="2400" i="1">
-                          <a:solidFill>
-                            <a:srgbClr val="FF0000"/>
-                          </a:solidFill>
-                          <a:latin typeface="Cambria Math"/>
-                        </a:rPr>
-                        <m:t>𝑂</m:t>
-                      </m:r>
-                      <m:r>
-                        <a:rPr lang="en-US" sz="2400" i="1">
-                          <a:solidFill>
-                            <a:srgbClr val="FF0000"/>
-                          </a:solidFill>
-                          <a:latin typeface="Cambria Math"/>
-                        </a:rPr>
-                        <m:t>(</m:t>
-                      </m:r>
-                      <m:r>
-                        <a:rPr lang="en-US" sz="2400" i="1">
-                          <a:solidFill>
-                            <a:srgbClr val="FF0000"/>
-                          </a:solidFill>
-                          <a:latin typeface="Cambria Math"/>
-                        </a:rPr>
-                        <m:t>𝑛</m:t>
-                      </m:r>
-                      <m:func>
-                        <m:funcPr>
-                          <m:ctrlPr>
-                            <a:rPr lang="en-US" sz="2400" i="1">
-                              <a:solidFill>
-                                <a:srgbClr val="FF0000"/>
-                              </a:solidFill>
-                              <a:latin typeface="Cambria Math" panose="02040503050406030204" pitchFamily="18" charset="0"/>
-                            </a:rPr>
-                          </m:ctrlPr>
-                        </m:funcPr>
-                        <m:fName>
-                          <m:r>
-                            <m:rPr>
-                              <m:sty m:val="p"/>
-                            </m:rPr>
-                            <a:rPr lang="en-US" sz="2400">
-                              <a:solidFill>
-                                <a:srgbClr val="FF0000"/>
-                              </a:solidFill>
-                              <a:latin typeface="Cambria Math"/>
-                            </a:rPr>
-                            <m:t>log</m:t>
-                          </m:r>
-                        </m:fName>
-                        <m:e>
-                          <m:r>
-                            <a:rPr lang="en-US" sz="2400" i="1">
-                              <a:solidFill>
-                                <a:srgbClr val="FF0000"/>
-                              </a:solidFill>
-                              <a:latin typeface="Cambria Math"/>
-                            </a:rPr>
-                            <m:t>𝑛</m:t>
-                          </m:r>
-                        </m:e>
-                      </m:func>
-                      <m:r>
-                        <a:rPr lang="en-US" sz="2400" i="1">
-                          <a:solidFill>
-                            <a:srgbClr val="FF0000"/>
-                          </a:solidFill>
-                          <a:latin typeface="Cambria Math"/>
-                        </a:rPr>
-                        <m:t>)</m:t>
-                      </m:r>
-                    </m:oMath>
-                  </m:oMathPara>
-                </a14:m>
-                <a:endParaRPr lang="en-US" sz="2400" dirty="0">
-                  <a:solidFill>
-                    <a:srgbClr val="FF0000"/>
-                  </a:solidFill>
-                </a:endParaRPr>
-              </a:p>
-            </p:txBody>
-          </p:sp>
-        </mc:Choice>
-        <mc:Fallback>
-          <p:sp>
-            <p:nvSpPr>
-              <p:cNvPr id="5" name="TextBox 4"/>
-              <p:cNvSpPr txBox="1">
-                <a:spLocks noRot="1" noChangeAspect="1" noMove="1" noResize="1" noEditPoints="1" noAdjustHandles="1" noChangeArrowheads="1" noChangeShapeType="1" noTextEdit="1"/>
-              </p:cNvSpPr>
-              <p:nvPr/>
-            </p:nvSpPr>
-            <p:spPr>
-              <a:xfrm>
-                <a:off x="3657600" y="3920434"/>
-                <a:ext cx="1590885" cy="461665"/>
-              </a:xfrm>
-              <a:prstGeom prst="rect">
-                <a:avLst/>
-              </a:prstGeom>
-              <a:blipFill>
-                <a:blip r:embed="rId2"/>
-                <a:stretch>
-                  <a:fillRect b="-16216"/>
-                </a:stretch>
-              </a:blipFill>
-            </p:spPr>
-            <p:txBody>
-              <a:bodyPr/>
-              <a:lstStyle/>
-              <a:p>
-                <a:r>
-                  <a:rPr lang="en-US">
-                    <a:noFill/>
-                  </a:rPr>
-                  <a:t> </a:t>
-                </a:r>
-              </a:p>
-            </p:txBody>
-          </p:sp>
-        </mc:Fallback>
-      </mc:AlternateContent>
-      <mc:AlternateContent xmlns:mc="http://schemas.openxmlformats.org/markup-compatibility/2006">
-        <mc:Choice xmlns:a14="http://schemas.microsoft.com/office/drawing/2010/main" Requires="a14">
-          <p:sp>
-            <p:nvSpPr>
-              <p:cNvPr id="6" name="TextBox 5"/>
-              <p:cNvSpPr txBox="1"/>
-              <p:nvPr/>
-            </p:nvSpPr>
-            <p:spPr>
-              <a:xfrm>
-                <a:off x="3636317" y="4382099"/>
-                <a:ext cx="1590885" cy="461665"/>
-              </a:xfrm>
-              <a:prstGeom prst="rect">
-                <a:avLst/>
-              </a:prstGeom>
-              <a:noFill/>
-            </p:spPr>
-            <p:txBody>
-              <a:bodyPr wrap="none" rtlCol="0">
-                <a:spAutoFit/>
-              </a:bodyPr>
-              <a:lstStyle/>
-              <a:p>
-                <a:pPr/>
-                <a14:m>
-                  <m:oMathPara xmlns:m="http://schemas.openxmlformats.org/officeDocument/2006/math">
-                    <m:oMathParaPr>
-                      <m:jc m:val="centerGroup"/>
-                    </m:oMathParaPr>
-                    <m:oMath xmlns:m="http://schemas.openxmlformats.org/officeDocument/2006/math">
-                      <m:r>
-                        <a:rPr lang="en-US" sz="2400" i="1">
-                          <a:solidFill>
-                            <a:srgbClr val="FF0000"/>
-                          </a:solidFill>
-                          <a:latin typeface="Cambria Math"/>
-                        </a:rPr>
-                        <m:t>𝑂</m:t>
-                      </m:r>
-                      <m:r>
-                        <a:rPr lang="en-US" sz="2400" i="1">
-                          <a:solidFill>
-                            <a:srgbClr val="FF0000"/>
-                          </a:solidFill>
-                          <a:latin typeface="Cambria Math"/>
-                        </a:rPr>
-                        <m:t>(</m:t>
-                      </m:r>
-                      <m:r>
-                        <a:rPr lang="en-US" sz="2400" i="1">
-                          <a:solidFill>
-                            <a:srgbClr val="FF0000"/>
-                          </a:solidFill>
-                          <a:latin typeface="Cambria Math"/>
-                        </a:rPr>
-                        <m:t>𝑛</m:t>
-                      </m:r>
-                      <m:func>
-                        <m:funcPr>
-                          <m:ctrlPr>
-                            <a:rPr lang="en-US" sz="2400" i="1">
-                              <a:solidFill>
-                                <a:srgbClr val="FF0000"/>
-                              </a:solidFill>
-                              <a:latin typeface="Cambria Math" panose="02040503050406030204" pitchFamily="18" charset="0"/>
-                            </a:rPr>
-                          </m:ctrlPr>
-                        </m:funcPr>
-                        <m:fName>
-                          <m:r>
-                            <m:rPr>
-                              <m:sty m:val="p"/>
-                            </m:rPr>
-                            <a:rPr lang="en-US" sz="2400">
-                              <a:solidFill>
-                                <a:srgbClr val="FF0000"/>
-                              </a:solidFill>
-                              <a:latin typeface="Cambria Math"/>
-                            </a:rPr>
-                            <m:t>log</m:t>
-                          </m:r>
-                        </m:fName>
-                        <m:e>
-                          <m:r>
-                            <a:rPr lang="en-US" sz="2400" i="1">
-                              <a:solidFill>
-                                <a:srgbClr val="FF0000"/>
-                              </a:solidFill>
-                              <a:latin typeface="Cambria Math"/>
-                            </a:rPr>
-                            <m:t>𝑛</m:t>
-                          </m:r>
-                        </m:e>
-                      </m:func>
-                      <m:r>
-                        <a:rPr lang="en-US" sz="2400" i="1">
-                          <a:solidFill>
-                            <a:srgbClr val="FF0000"/>
-                          </a:solidFill>
-                          <a:latin typeface="Cambria Math"/>
-                        </a:rPr>
-                        <m:t>)</m:t>
-                      </m:r>
-                    </m:oMath>
-                  </m:oMathPara>
-                </a14:m>
-                <a:endParaRPr lang="en-US" sz="2400" dirty="0">
-                  <a:solidFill>
-                    <a:srgbClr val="FF0000"/>
-                  </a:solidFill>
-                </a:endParaRPr>
-              </a:p>
-            </p:txBody>
-          </p:sp>
-        </mc:Choice>
-        <mc:Fallback>
-          <p:sp>
-            <p:nvSpPr>
-              <p:cNvPr id="6" name="TextBox 5"/>
-              <p:cNvSpPr txBox="1">
-                <a:spLocks noRot="1" noChangeAspect="1" noMove="1" noResize="1" noEditPoints="1" noAdjustHandles="1" noChangeArrowheads="1" noChangeShapeType="1" noTextEdit="1"/>
-              </p:cNvSpPr>
-              <p:nvPr/>
-            </p:nvSpPr>
-            <p:spPr>
-              <a:xfrm>
-                <a:off x="3636317" y="4382099"/>
-                <a:ext cx="1590885" cy="461665"/>
-              </a:xfrm>
-              <a:prstGeom prst="rect">
-                <a:avLst/>
-              </a:prstGeom>
-              <a:blipFill>
-                <a:blip r:embed="rId3"/>
-                <a:stretch>
-                  <a:fillRect b="-16216"/>
-                </a:stretch>
-              </a:blipFill>
-            </p:spPr>
-            <p:txBody>
-              <a:bodyPr/>
-              <a:lstStyle/>
-              <a:p>
-                <a:r>
-                  <a:rPr lang="en-US">
-                    <a:noFill/>
-                  </a:rPr>
-                  <a:t> </a:t>
-                </a:r>
-              </a:p>
-            </p:txBody>
-          </p:sp>
-        </mc:Fallback>
-      </mc:AlternateContent>
-      <mc:AlternateContent xmlns:mc="http://schemas.openxmlformats.org/markup-compatibility/2006">
-        <mc:Choice xmlns:a14="http://schemas.microsoft.com/office/drawing/2010/main" Requires="a14">
-          <p:sp>
-            <p:nvSpPr>
-              <p:cNvPr id="8" name="TextBox 7"/>
-              <p:cNvSpPr txBox="1"/>
-              <p:nvPr/>
-            </p:nvSpPr>
-            <p:spPr>
-              <a:xfrm>
-                <a:off x="3657600" y="3429000"/>
-                <a:ext cx="1050159" cy="461665"/>
-              </a:xfrm>
-              <a:prstGeom prst="rect">
-                <a:avLst/>
-              </a:prstGeom>
-              <a:noFill/>
-            </p:spPr>
-            <p:txBody>
-              <a:bodyPr wrap="none" rtlCol="0">
-                <a:spAutoFit/>
-              </a:bodyPr>
-              <a:lstStyle/>
-              <a:p>
-                <a:pPr/>
-                <a14:m>
-                  <m:oMathPara xmlns:m="http://schemas.openxmlformats.org/officeDocument/2006/math">
-                    <m:oMathParaPr>
-                      <m:jc m:val="centerGroup"/>
-                    </m:oMathParaPr>
-                    <m:oMath xmlns:m="http://schemas.openxmlformats.org/officeDocument/2006/math">
-                      <m:r>
-                        <a:rPr lang="en-US" sz="2400" i="1">
-                          <a:solidFill>
-                            <a:srgbClr val="FF0000"/>
-                          </a:solidFill>
-                          <a:latin typeface="Cambria Math"/>
-                        </a:rPr>
-                        <m:t>𝑂</m:t>
-                      </m:r>
-                      <m:r>
-                        <a:rPr lang="en-US" sz="2400" i="1">
-                          <a:solidFill>
-                            <a:srgbClr val="FF0000"/>
-                          </a:solidFill>
-                          <a:latin typeface="Cambria Math"/>
-                        </a:rPr>
-                        <m:t>(</m:t>
-                      </m:r>
-                      <m:sSup>
-                        <m:sSupPr>
-                          <m:ctrlPr>
-                            <a:rPr lang="en-US" sz="2400" i="1">
-                              <a:solidFill>
-                                <a:srgbClr val="FF0000"/>
-                              </a:solidFill>
-                              <a:latin typeface="Cambria Math" panose="02040503050406030204" pitchFamily="18" charset="0"/>
-                            </a:rPr>
-                          </m:ctrlPr>
-                        </m:sSupPr>
-                        <m:e>
-                          <m:r>
-                            <a:rPr lang="en-US" sz="2400" i="1">
-                              <a:solidFill>
-                                <a:srgbClr val="FF0000"/>
-                              </a:solidFill>
-                              <a:latin typeface="Cambria Math"/>
-                            </a:rPr>
-                            <m:t>𝑛</m:t>
-                          </m:r>
-                        </m:e>
-                        <m:sup>
-                          <m:r>
-                            <a:rPr lang="en-US" sz="2400" i="1">
-                              <a:solidFill>
-                                <a:srgbClr val="FF0000"/>
-                              </a:solidFill>
-                              <a:latin typeface="Cambria Math"/>
-                            </a:rPr>
-                            <m:t>2</m:t>
-                          </m:r>
-                        </m:sup>
-                      </m:sSup>
-                      <m:r>
-                        <a:rPr lang="en-US" sz="2400" i="1">
-                          <a:solidFill>
-                            <a:srgbClr val="FF0000"/>
-                          </a:solidFill>
-                          <a:latin typeface="Cambria Math"/>
-                        </a:rPr>
-                        <m:t>)</m:t>
-                      </m:r>
-                    </m:oMath>
-                  </m:oMathPara>
-                </a14:m>
-                <a:endParaRPr lang="en-US" sz="2400" dirty="0">
-                  <a:solidFill>
-                    <a:srgbClr val="FF0000"/>
-                  </a:solidFill>
-                </a:endParaRPr>
-              </a:p>
-            </p:txBody>
-          </p:sp>
-        </mc:Choice>
-        <mc:Fallback>
-          <p:sp>
-            <p:nvSpPr>
-              <p:cNvPr id="8" name="TextBox 7"/>
-              <p:cNvSpPr txBox="1">
-                <a:spLocks noRot="1" noChangeAspect="1" noMove="1" noResize="1" noEditPoints="1" noAdjustHandles="1" noChangeArrowheads="1" noChangeShapeType="1" noTextEdit="1"/>
-              </p:cNvSpPr>
-              <p:nvPr/>
-            </p:nvSpPr>
-            <p:spPr>
-              <a:xfrm>
-                <a:off x="3657600" y="3429000"/>
-                <a:ext cx="1050159" cy="461665"/>
-              </a:xfrm>
-              <a:prstGeom prst="rect">
-                <a:avLst/>
-              </a:prstGeom>
-              <a:blipFill>
-                <a:blip r:embed="rId4"/>
-                <a:stretch>
-                  <a:fillRect b="-16216"/>
-                </a:stretch>
-              </a:blipFill>
-            </p:spPr>
-            <p:txBody>
-              <a:bodyPr/>
-              <a:lstStyle/>
-              <a:p>
-                <a:r>
-                  <a:rPr lang="en-US">
-                    <a:noFill/>
-                  </a:rPr>
-                  <a:t> </a:t>
-                </a:r>
-              </a:p>
-            </p:txBody>
-          </p:sp>
-        </mc:Fallback>
-      </mc:AlternateContent>
-      <mc:AlternateContent xmlns:mc="http://schemas.openxmlformats.org/markup-compatibility/2006" xmlns:a14="http://schemas.microsoft.com/office/drawing/2010/main">
-        <mc:Choice Requires="a14">
-          <p:sp>
-            <p:nvSpPr>
-              <p:cNvPr id="11" name="TextBox 10"/>
-              <p:cNvSpPr txBox="1"/>
-              <p:nvPr/>
-            </p:nvSpPr>
-            <p:spPr>
-              <a:xfrm>
-                <a:off x="5227202" y="5557653"/>
-                <a:ext cx="5980035" cy="584775"/>
-              </a:xfrm>
-              <a:prstGeom prst="rect">
-                <a:avLst/>
-              </a:prstGeom>
-              <a:noFill/>
-            </p:spPr>
-            <p:txBody>
-              <a:bodyPr wrap="none" rtlCol="0">
-                <a:spAutoFit/>
-              </a:bodyPr>
-              <a:lstStyle/>
-              <a:p>
-                <a:r>
-                  <a:rPr lang="en-US" sz="3200" dirty="0">
-                    <a:solidFill>
-                      <a:srgbClr val="7030A0"/>
-                    </a:solidFill>
-                  </a:rPr>
-                  <a:t>Can we do better than </a:t>
-                </a:r>
-                <a14:m>
-                  <m:oMath xmlns:m="http://schemas.openxmlformats.org/officeDocument/2006/math">
-                    <m:r>
-                      <a:rPr lang="en-US" sz="3200" i="1">
-                        <a:solidFill>
-                          <a:srgbClr val="7030A0"/>
-                        </a:solidFill>
-                        <a:latin typeface="Cambria Math"/>
-                      </a:rPr>
-                      <m:t>𝑂</m:t>
-                    </m:r>
-                    <m:r>
-                      <a:rPr lang="en-US" sz="3200" i="1">
-                        <a:solidFill>
-                          <a:srgbClr val="7030A0"/>
-                        </a:solidFill>
-                        <a:latin typeface="Cambria Math"/>
-                      </a:rPr>
-                      <m:t>(</m:t>
-                    </m:r>
-                    <m:r>
-                      <a:rPr lang="en-US" sz="3200" i="1">
-                        <a:solidFill>
-                          <a:srgbClr val="7030A0"/>
-                        </a:solidFill>
-                        <a:latin typeface="Cambria Math"/>
-                      </a:rPr>
-                      <m:t>𝑛</m:t>
-                    </m:r>
-                    <m:func>
-                      <m:funcPr>
-                        <m:ctrlPr>
-                          <a:rPr lang="en-US" sz="3200" i="1">
-                            <a:solidFill>
-                              <a:srgbClr val="7030A0"/>
-                            </a:solidFill>
-                            <a:latin typeface="Cambria Math" panose="02040503050406030204" pitchFamily="18" charset="0"/>
-                          </a:rPr>
-                        </m:ctrlPr>
-                      </m:funcPr>
-                      <m:fName>
-                        <m:r>
-                          <m:rPr>
-                            <m:sty m:val="p"/>
-                          </m:rPr>
-                          <a:rPr lang="en-US" sz="3200">
-                            <a:solidFill>
-                              <a:srgbClr val="7030A0"/>
-                            </a:solidFill>
-                            <a:latin typeface="Cambria Math"/>
-                          </a:rPr>
-                          <m:t>log</m:t>
-                        </m:r>
-                      </m:fName>
-                      <m:e>
-                        <m:r>
-                          <a:rPr lang="en-US" sz="3200" i="1">
-                            <a:solidFill>
-                              <a:srgbClr val="7030A0"/>
-                            </a:solidFill>
-                            <a:latin typeface="Cambria Math"/>
-                          </a:rPr>
-                          <m:t>𝑛</m:t>
-                        </m:r>
-                      </m:e>
-                    </m:func>
-                    <m:r>
-                      <a:rPr lang="en-US" sz="3200" i="1">
-                        <a:solidFill>
-                          <a:srgbClr val="7030A0"/>
-                        </a:solidFill>
-                        <a:latin typeface="Cambria Math"/>
-                      </a:rPr>
-                      <m:t>)</m:t>
-                    </m:r>
-                  </m:oMath>
-                </a14:m>
-                <a:r>
-                  <a:rPr lang="en-US" sz="3200" dirty="0">
-                    <a:solidFill>
-                      <a:srgbClr val="7030A0"/>
-                    </a:solidFill>
-                  </a:rPr>
-                  <a:t>?</a:t>
-                </a:r>
-              </a:p>
-            </p:txBody>
-          </p:sp>
-        </mc:Choice>
-        <mc:Fallback xmlns="">
-          <p:sp>
-            <p:nvSpPr>
-              <p:cNvPr id="11" name="TextBox 10"/>
-              <p:cNvSpPr txBox="1">
-                <a:spLocks noRot="1" noChangeAspect="1" noMove="1" noResize="1" noEditPoints="1" noAdjustHandles="1" noChangeArrowheads="1" noChangeShapeType="1" noTextEdit="1"/>
-              </p:cNvSpPr>
-              <p:nvPr/>
-            </p:nvSpPr>
-            <p:spPr>
-              <a:xfrm>
-                <a:off x="5227202" y="5557653"/>
-                <a:ext cx="5980035" cy="584775"/>
-              </a:xfrm>
-              <a:prstGeom prst="rect">
-                <a:avLst/>
-              </a:prstGeom>
-              <a:blipFill>
-                <a:blip r:embed="rId6"/>
-                <a:stretch>
-                  <a:fillRect l="-2542" t="-12766" r="-1483" b="-31915"/>
-                </a:stretch>
-              </a:blipFill>
-            </p:spPr>
-            <p:txBody>
-              <a:bodyPr/>
-              <a:lstStyle/>
-              <a:p>
-                <a:r>
-                  <a:rPr lang="en-US">
-                    <a:noFill/>
-                  </a:rPr>
-                  <a:t> </a:t>
-                </a:r>
-              </a:p>
-            </p:txBody>
-          </p:sp>
-        </mc:Fallback>
-      </mc:AlternateContent>
-    </p:spTree>
-    <p:extLst>
-      <p:ext uri="{BB962C8B-B14F-4D97-AF65-F5344CB8AC3E}">
-        <p14:creationId xmlns:p14="http://schemas.microsoft.com/office/powerpoint/2010/main" val="1062194542"/>
-      </p:ext>
-    </p:extLst>
-  </p:cSld>
-  <p:clrMapOvr>
-    <a:masterClrMapping/>
-  </p:clrMapOvr>
-  <p:timing>
-    <p:tnLst>
-      <p:par>
-        <p:cTn id="1" dur="indefinite" restart="never" nodeType="tmRoot">
-          <p:childTnLst>
-            <p:seq concurrent="1" nextAc="seek">
-              <p:cTn id="2" dur="indefinite" nodeType="mainSeq">
-                <p:childTnLst>
-                  <p:par>
-                    <p:cTn id="3" fill="hold">
-                      <p:stCondLst>
-                        <p:cond delay="indefinite"/>
-                      </p:stCondLst>
-                      <p:childTnLst>
-                        <p:par>
-                          <p:cTn id="4" fill="hold">
-                            <p:stCondLst>
-                              <p:cond delay="0"/>
-                            </p:stCondLst>
-                            <p:childTnLst>
-                              <p:par>
-                                <p:cTn id="5" presetID="10" presetClass="entr" presetSubtype="0" fill="hold" grpId="0" nodeType="clickEffect">
-                                  <p:stCondLst>
-                                    <p:cond delay="0"/>
-                                  </p:stCondLst>
-                                  <p:childTnLst>
-                                    <p:set>
-                                      <p:cBhvr>
-                                        <p:cTn id="6" dur="1" fill="hold">
-                                          <p:stCondLst>
-                                            <p:cond delay="0"/>
-                                          </p:stCondLst>
-                                        </p:cTn>
-                                        <p:tgtEl>
-                                          <p:spTgt spid="5"/>
-                                        </p:tgtEl>
-                                        <p:attrNameLst>
-                                          <p:attrName>style.visibility</p:attrName>
-                                        </p:attrNameLst>
-                                      </p:cBhvr>
-                                      <p:to>
-                                        <p:strVal val="visible"/>
-                                      </p:to>
-                                    </p:set>
-                                    <p:animEffect transition="in" filter="fade">
-                                      <p:cBhvr>
-                                        <p:cTn id="7" dur="500"/>
-                                        <p:tgtEl>
-                                          <p:spTgt spid="5"/>
-                                        </p:tgtEl>
-                                      </p:cBhvr>
-                                    </p:animEffect>
-                                  </p:childTnLst>
-                                </p:cTn>
-                              </p:par>
-                              <p:par>
-                                <p:cTn id="8" presetID="10" presetClass="entr" presetSubtype="0" fill="hold" grpId="0" nodeType="withEffect">
-                                  <p:stCondLst>
-                                    <p:cond delay="0"/>
-                                  </p:stCondLst>
-                                  <p:childTnLst>
-                                    <p:set>
-                                      <p:cBhvr>
-                                        <p:cTn id="9" dur="1" fill="hold">
-                                          <p:stCondLst>
-                                            <p:cond delay="0"/>
-                                          </p:stCondLst>
-                                        </p:cTn>
-                                        <p:tgtEl>
-                                          <p:spTgt spid="6"/>
-                                        </p:tgtEl>
-                                        <p:attrNameLst>
-                                          <p:attrName>style.visibility</p:attrName>
-                                        </p:attrNameLst>
-                                      </p:cBhvr>
-                                      <p:to>
-                                        <p:strVal val="visible"/>
-                                      </p:to>
-                                    </p:set>
-                                    <p:animEffect transition="in" filter="fade">
-                                      <p:cBhvr>
-                                        <p:cTn id="10" dur="500"/>
-                                        <p:tgtEl>
-                                          <p:spTgt spid="6"/>
-                                        </p:tgtEl>
-                                      </p:cBhvr>
-                                    </p:animEffect>
-                                  </p:childTnLst>
-                                </p:cTn>
-                              </p:par>
-                              <p:par>
-                                <p:cTn id="11" presetID="10" presetClass="entr" presetSubtype="0" fill="hold" grpId="0" nodeType="withEffect">
-                                  <p:stCondLst>
-                                    <p:cond delay="0"/>
-                                  </p:stCondLst>
-                                  <p:childTnLst>
-                                    <p:set>
-                                      <p:cBhvr>
-                                        <p:cTn id="12" dur="1" fill="hold">
-                                          <p:stCondLst>
-                                            <p:cond delay="0"/>
-                                          </p:stCondLst>
-                                        </p:cTn>
-                                        <p:tgtEl>
-                                          <p:spTgt spid="8"/>
-                                        </p:tgtEl>
-                                        <p:attrNameLst>
-                                          <p:attrName>style.visibility</p:attrName>
-                                        </p:attrNameLst>
-                                      </p:cBhvr>
-                                      <p:to>
-                                        <p:strVal val="visible"/>
-                                      </p:to>
-                                    </p:set>
-                                    <p:animEffect transition="in" filter="fade">
-                                      <p:cBhvr>
-                                        <p:cTn id="13" dur="500"/>
-                                        <p:tgtEl>
-                                          <p:spTgt spid="8"/>
-                                        </p:tgtEl>
-                                      </p:cBhvr>
-                                    </p:animEffect>
-                                  </p:childTnLst>
-                                </p:cTn>
-                              </p:par>
-                            </p:childTnLst>
-                          </p:cTn>
-                        </p:par>
-                      </p:childTnLst>
-                    </p:cTn>
-                  </p:par>
-                  <p:par>
-                    <p:cTn id="14" fill="hold">
-                      <p:stCondLst>
-                        <p:cond delay="indefinite"/>
-                      </p:stCondLst>
-                      <p:childTnLst>
-                        <p:par>
-                          <p:cTn id="15" fill="hold">
-                            <p:stCondLst>
-                              <p:cond delay="0"/>
-                            </p:stCondLst>
-                            <p:childTnLst>
-                              <p:par>
-                                <p:cTn id="16" presetID="10" presetClass="entr" presetSubtype="0" fill="hold" grpId="0" nodeType="clickEffect">
-                                  <p:stCondLst>
-                                    <p:cond delay="0"/>
-                                  </p:stCondLst>
-                                  <p:childTnLst>
-                                    <p:set>
-                                      <p:cBhvr>
-                                        <p:cTn id="17" dur="1" fill="hold">
-                                          <p:stCondLst>
-                                            <p:cond delay="0"/>
-                                          </p:stCondLst>
-                                        </p:cTn>
-                                        <p:tgtEl>
-                                          <p:spTgt spid="11"/>
-                                        </p:tgtEl>
-                                        <p:attrNameLst>
-                                          <p:attrName>style.visibility</p:attrName>
-                                        </p:attrNameLst>
-                                      </p:cBhvr>
-                                      <p:to>
-                                        <p:strVal val="visible"/>
-                                      </p:to>
-                                    </p:set>
-                                    <p:animEffect transition="in" filter="fade">
-                                      <p:cBhvr>
-                                        <p:cTn id="18" dur="500"/>
-                                        <p:tgtEl>
-                                          <p:spTgt spid="11"/>
-                                        </p:tgtEl>
-                                      </p:cBhvr>
-                                    </p:animEffect>
-                                  </p:childTnLst>
-                                </p:cTn>
-                              </p:par>
-                            </p:childTnLst>
-                          </p:cTn>
-                        </p:par>
-                      </p:childTnLst>
-                    </p:cTn>
-                  </p:par>
-                </p:childTnLst>
-              </p:cTn>
-              <p:prevCondLst>
-                <p:cond evt="onPrev" delay="0">
-                  <p:tgtEl>
-                    <p:sldTgt/>
-                  </p:tgtEl>
-                </p:cond>
-              </p:prevCondLst>
-              <p:nextCondLst>
-                <p:cond evt="onNext" delay="0">
-                  <p:tgtEl>
-                    <p:sldTgt/>
-                  </p:tgtEl>
-                </p:cond>
-              </p:nextCondLst>
-            </p:seq>
-          </p:childTnLst>
-        </p:cTn>
-      </p:par>
-    </p:tnLst>
-    <p:bldLst>
-      <p:bldP spid="5" grpId="0"/>
-      <p:bldP spid="6" grpId="0"/>
-      <p:bldP spid="8" grpId="0"/>
-      <p:bldP spid="11" grpId="0"/>
-    </p:bldLst>
-  </p:timing>
 </p:sld>
 </file>
 
